--- a/13_pred_crm_phy .pptx
+++ b/13_pred_crm_phy .pptx
@@ -210,7 +210,7 @@
           <a:p>
             <a:fld id="{B48D30C6-6502-4263-BFB0-B2D1CB4B0367}" type="datetimeFigureOut">
               <a:rPr lang="ru-RU" smtClean="0"/>
-              <a:t>29.04.2023</a:t>
+              <a:t>04.05.2023</a:t>
             </a:fld>
             <a:endParaRPr lang="ru-RU"/>
           </a:p>
@@ -708,7 +708,7 @@
           <a:p>
             <a:fld id="{D918174D-991F-4B3F-A4C4-566443280F71}" type="datetimeFigureOut">
               <a:rPr lang="ru-RU" smtClean="0"/>
-              <a:t>29.04.2023</a:t>
+              <a:t>04.05.2023</a:t>
             </a:fld>
             <a:endParaRPr lang="ru-RU"/>
           </a:p>
@@ -906,7 +906,7 @@
           <a:p>
             <a:fld id="{D918174D-991F-4B3F-A4C4-566443280F71}" type="datetimeFigureOut">
               <a:rPr lang="ru-RU" smtClean="0"/>
-              <a:t>29.04.2023</a:t>
+              <a:t>04.05.2023</a:t>
             </a:fld>
             <a:endParaRPr lang="ru-RU"/>
           </a:p>
@@ -1114,7 +1114,7 @@
           <a:p>
             <a:fld id="{D918174D-991F-4B3F-A4C4-566443280F71}" type="datetimeFigureOut">
               <a:rPr lang="ru-RU" smtClean="0"/>
-              <a:t>29.04.2023</a:t>
+              <a:t>04.05.2023</a:t>
             </a:fld>
             <a:endParaRPr lang="ru-RU"/>
           </a:p>
@@ -1312,7 +1312,7 @@
           <a:p>
             <a:fld id="{D918174D-991F-4B3F-A4C4-566443280F71}" type="datetimeFigureOut">
               <a:rPr lang="ru-RU" smtClean="0"/>
-              <a:t>29.04.2023</a:t>
+              <a:t>04.05.2023</a:t>
             </a:fld>
             <a:endParaRPr lang="ru-RU"/>
           </a:p>
@@ -1587,7 +1587,7 @@
           <a:p>
             <a:fld id="{D918174D-991F-4B3F-A4C4-566443280F71}" type="datetimeFigureOut">
               <a:rPr lang="ru-RU" smtClean="0"/>
-              <a:t>29.04.2023</a:t>
+              <a:t>04.05.2023</a:t>
             </a:fld>
             <a:endParaRPr lang="ru-RU"/>
           </a:p>
@@ -1852,7 +1852,7 @@
           <a:p>
             <a:fld id="{D918174D-991F-4B3F-A4C4-566443280F71}" type="datetimeFigureOut">
               <a:rPr lang="ru-RU" smtClean="0"/>
-              <a:t>29.04.2023</a:t>
+              <a:t>04.05.2023</a:t>
             </a:fld>
             <a:endParaRPr lang="ru-RU"/>
           </a:p>
@@ -2264,7 +2264,7 @@
           <a:p>
             <a:fld id="{D918174D-991F-4B3F-A4C4-566443280F71}" type="datetimeFigureOut">
               <a:rPr lang="ru-RU" smtClean="0"/>
-              <a:t>29.04.2023</a:t>
+              <a:t>04.05.2023</a:t>
             </a:fld>
             <a:endParaRPr lang="ru-RU"/>
           </a:p>
@@ -2405,7 +2405,7 @@
           <a:p>
             <a:fld id="{D918174D-991F-4B3F-A4C4-566443280F71}" type="datetimeFigureOut">
               <a:rPr lang="ru-RU" smtClean="0"/>
-              <a:t>29.04.2023</a:t>
+              <a:t>04.05.2023</a:t>
             </a:fld>
             <a:endParaRPr lang="ru-RU"/>
           </a:p>
@@ -2518,7 +2518,7 @@
           <a:p>
             <a:fld id="{D918174D-991F-4B3F-A4C4-566443280F71}" type="datetimeFigureOut">
               <a:rPr lang="ru-RU" smtClean="0"/>
-              <a:t>29.04.2023</a:t>
+              <a:t>04.05.2023</a:t>
             </a:fld>
             <a:endParaRPr lang="ru-RU"/>
           </a:p>
@@ -2829,7 +2829,7 @@
           <a:p>
             <a:fld id="{D918174D-991F-4B3F-A4C4-566443280F71}" type="datetimeFigureOut">
               <a:rPr lang="ru-RU" smtClean="0"/>
-              <a:t>29.04.2023</a:t>
+              <a:t>04.05.2023</a:t>
             </a:fld>
             <a:endParaRPr lang="ru-RU"/>
           </a:p>
@@ -3117,7 +3117,7 @@
           <a:p>
             <a:fld id="{D918174D-991F-4B3F-A4C4-566443280F71}" type="datetimeFigureOut">
               <a:rPr lang="ru-RU" smtClean="0"/>
-              <a:t>29.04.2023</a:t>
+              <a:t>04.05.2023</a:t>
             </a:fld>
             <a:endParaRPr lang="ru-RU"/>
           </a:p>
@@ -3358,7 +3358,7 @@
           <a:p>
             <a:fld id="{D918174D-991F-4B3F-A4C4-566443280F71}" type="datetimeFigureOut">
               <a:rPr lang="ru-RU" smtClean="0"/>
-              <a:t>29.04.2023</a:t>
+              <a:t>04.05.2023</a:t>
             </a:fld>
             <a:endParaRPr lang="ru-RU"/>
           </a:p>
@@ -3877,18 +3877,11 @@
           <a:p>
             <a:pPr algn="r"/>
             <a:r>
-              <a:rPr lang="ru-RU" b="1" dirty="0" err="1">
-                <a:latin typeface="Times New Roman" panose="02020603050405020304" pitchFamily="18" charset="0"/>
-                <a:cs typeface="Times New Roman" panose="02020603050405020304" pitchFamily="18" charset="0"/>
-              </a:rPr>
-              <a:t>Сысолятин</a:t>
-            </a:r>
-            <a:r>
               <a:rPr lang="ru-RU" b="1" dirty="0">
                 <a:latin typeface="Times New Roman" panose="02020603050405020304" pitchFamily="18" charset="0"/>
                 <a:cs typeface="Times New Roman" panose="02020603050405020304" pitchFamily="18" charset="0"/>
               </a:rPr>
-              <a:t> Родион Валерьевич</a:t>
+              <a:t>Сысолятин Родион Валерьевич</a:t>
             </a:r>
           </a:p>
         </p:txBody>
@@ -5671,7 +5664,7 @@
         </p:nvSpPr>
         <p:spPr>
           <a:xfrm>
-            <a:off x="493759" y="1441781"/>
+            <a:off x="743690" y="1411989"/>
             <a:ext cx="5352310" cy="400110"/>
           </a:xfrm>
           <a:prstGeom prst="rect">
@@ -5742,7 +5735,7 @@
         </p:nvSpPr>
         <p:spPr>
           <a:xfrm>
-            <a:off x="6298102" y="1443292"/>
+            <a:off x="6096000" y="1411989"/>
             <a:ext cx="5447967" cy="400110"/>
           </a:xfrm>
           <a:prstGeom prst="rect">
@@ -5838,10 +5831,10 @@
       </p:sp>
       <p:pic>
         <p:nvPicPr>
-          <p:cNvPr id="3" name="Рисунок 2" descr="Изображение выглядит как диаграмма&#10;&#10;Автоматически созданное описание">
-            <a:extLst>
-              <a:ext uri="{FF2B5EF4-FFF2-40B4-BE49-F238E27FC236}">
-                <a16:creationId xmlns:a16="http://schemas.microsoft.com/office/drawing/2014/main" id="{5A2BC516-3CF8-C002-778A-AC84F3A95824}"/>
+          <p:cNvPr id="4" name="Рисунок 3">
+            <a:extLst>
+              <a:ext uri="{FF2B5EF4-FFF2-40B4-BE49-F238E27FC236}">
+                <a16:creationId xmlns:a16="http://schemas.microsoft.com/office/drawing/2014/main" id="{7AC17D4D-B332-0D7A-0504-C65445C3DDBC}"/>
               </a:ext>
             </a:extLst>
           </p:cNvPr>
@@ -5864,7 +5857,7 @@
         </p:blipFill>
         <p:spPr>
           <a:xfrm>
-            <a:off x="243828" y="1813549"/>
+            <a:off x="243828" y="1812098"/>
             <a:ext cx="5852172" cy="4389129"/>
           </a:xfrm>
           <a:prstGeom prst="rect">
@@ -5874,10 +5867,10 @@
       </p:pic>
       <p:pic>
         <p:nvPicPr>
-          <p:cNvPr id="5" name="Рисунок 4" descr="Изображение выглядит как диаграмма&#10;&#10;Автоматически созданное описание">
-            <a:extLst>
-              <a:ext uri="{FF2B5EF4-FFF2-40B4-BE49-F238E27FC236}">
-                <a16:creationId xmlns:a16="http://schemas.microsoft.com/office/drawing/2014/main" id="{97D211EC-86AC-4684-7165-7F52D5239FBC}"/>
+          <p:cNvPr id="7" name="Рисунок 6">
+            <a:extLst>
+              <a:ext uri="{FF2B5EF4-FFF2-40B4-BE49-F238E27FC236}">
+                <a16:creationId xmlns:a16="http://schemas.microsoft.com/office/drawing/2014/main" id="{A3951CC9-4D3D-761A-D56A-CC2CBD73FC25}"/>
               </a:ext>
             </a:extLst>
           </p:cNvPr>
@@ -5900,7 +5893,7 @@
         </p:blipFill>
         <p:spPr>
           <a:xfrm>
-            <a:off x="6095999" y="1813549"/>
+            <a:off x="6096000" y="1812099"/>
             <a:ext cx="5852172" cy="4389129"/>
           </a:xfrm>
           <a:prstGeom prst="rect">
@@ -5989,7 +5982,7 @@
         </p:nvSpPr>
         <p:spPr>
           <a:xfrm>
-            <a:off x="243828" y="1411989"/>
+            <a:off x="493759" y="1414278"/>
             <a:ext cx="5602241" cy="400110"/>
           </a:xfrm>
           <a:prstGeom prst="rect">
@@ -6060,7 +6053,7 @@
         </p:nvSpPr>
         <p:spPr>
           <a:xfrm>
-            <a:off x="6298102" y="1411989"/>
+            <a:off x="6096000" y="1411989"/>
             <a:ext cx="5650070" cy="400110"/>
           </a:xfrm>
           <a:prstGeom prst="rect">
@@ -6119,10 +6112,10 @@
       </p:sp>
       <p:pic>
         <p:nvPicPr>
-          <p:cNvPr id="4" name="Рисунок 3" descr="Изображение выглядит как диаграмма&#10;&#10;Автоматически созданное описание">
-            <a:extLst>
-              <a:ext uri="{FF2B5EF4-FFF2-40B4-BE49-F238E27FC236}">
-                <a16:creationId xmlns:a16="http://schemas.microsoft.com/office/drawing/2014/main" id="{AC5A406C-0288-1657-5AF0-B6B7DE5ACC69}"/>
+          <p:cNvPr id="5" name="Рисунок 4">
+            <a:extLst>
+              <a:ext uri="{FF2B5EF4-FFF2-40B4-BE49-F238E27FC236}">
+                <a16:creationId xmlns:a16="http://schemas.microsoft.com/office/drawing/2014/main" id="{B4B1565D-2C28-1568-D3B4-00F952CC35D9}"/>
               </a:ext>
             </a:extLst>
           </p:cNvPr>
@@ -6145,7 +6138,7 @@
         </p:blipFill>
         <p:spPr>
           <a:xfrm>
-            <a:off x="243828" y="1874713"/>
+            <a:off x="243828" y="1812099"/>
             <a:ext cx="5852172" cy="4389129"/>
           </a:xfrm>
           <a:prstGeom prst="rect">
@@ -6155,10 +6148,10 @@
       </p:pic>
       <p:pic>
         <p:nvPicPr>
-          <p:cNvPr id="6" name="Рисунок 5" descr="Изображение выглядит как диаграмма&#10;&#10;Автоматически созданное описание">
-            <a:extLst>
-              <a:ext uri="{FF2B5EF4-FFF2-40B4-BE49-F238E27FC236}">
-                <a16:creationId xmlns:a16="http://schemas.microsoft.com/office/drawing/2014/main" id="{00468EDA-75A7-3B52-5205-89882C47955C}"/>
+          <p:cNvPr id="8" name="Рисунок 7">
+            <a:extLst>
+              <a:ext uri="{FF2B5EF4-FFF2-40B4-BE49-F238E27FC236}">
+                <a16:creationId xmlns:a16="http://schemas.microsoft.com/office/drawing/2014/main" id="{C44E7A58-E8EC-808D-3D82-7ABC2DC5579F}"/>
               </a:ext>
             </a:extLst>
           </p:cNvPr>
@@ -6181,7 +6174,7 @@
         </p:blipFill>
         <p:spPr>
           <a:xfrm>
-            <a:off x="6097934" y="1874713"/>
+            <a:off x="6096000" y="1816677"/>
             <a:ext cx="5852172" cy="4389129"/>
           </a:xfrm>
           <a:prstGeom prst="rect">
@@ -6299,7 +6292,7 @@
                 <a:latin typeface="Times New Roman" panose="02020603050405020304" pitchFamily="18" charset="0"/>
                 <a:cs typeface="Times New Roman" panose="02020603050405020304" pitchFamily="18" charset="0"/>
               </a:rPr>
-              <a:t>Установлено, что на значения свойств влияют такие параметры, как количество атомов С и температура;</a:t>
+              <a:t>Установлено, что на значения свойств больше всего влияют такие параметры, как количество атомов С и температура;</a:t>
             </a:r>
           </a:p>
           <a:p>
@@ -6573,21 +6566,7 @@
                 <a:latin typeface="Times New Roman" panose="02020603050405020304" pitchFamily="18" charset="0"/>
                 <a:cs typeface="Times New Roman" panose="02020603050405020304" pitchFamily="18" charset="0"/>
               </a:rPr>
-              <a:t>данной работы является предсказание вязкости или плотности </a:t>
-            </a:r>
-            <a:r>
-              <a:rPr lang="ru-RU" dirty="0" err="1">
-                <a:latin typeface="Times New Roman" panose="02020603050405020304" pitchFamily="18" charset="0"/>
-                <a:cs typeface="Times New Roman" panose="02020603050405020304" pitchFamily="18" charset="0"/>
-              </a:rPr>
-              <a:t>алканов</a:t>
-            </a:r>
-            <a:r>
-              <a:rPr lang="ru-RU" dirty="0">
-                <a:latin typeface="Times New Roman" panose="02020603050405020304" pitchFamily="18" charset="0"/>
-                <a:cs typeface="Times New Roman" panose="02020603050405020304" pitchFamily="18" charset="0"/>
-              </a:rPr>
-              <a:t> по известным параметрам: количеству атомов углерода С в соединении и температурной зависимости плотности или вязкости соответственно.</a:t>
+              <a:t>данной работы является предсказание вязкости или плотности алканов по известным параметрам: количеству атомов углерода С в соединении и температурной зависимости плотности или вязкости соответственно.</a:t>
             </a:r>
           </a:p>
           <a:p>
@@ -6640,7 +6619,7 @@
                 <a:latin typeface="Times New Roman" panose="02020603050405020304" pitchFamily="18" charset="0"/>
                 <a:cs typeface="Times New Roman" panose="02020603050405020304" pitchFamily="18" charset="0"/>
               </a:rPr>
-              <a:t>Сравнить полученные результаты в зависимости от используемой модели.     </a:t>
+              <a:t>Сравнить полученные результаты в зависимости от используемой модели.</a:t>
             </a:r>
           </a:p>
         </p:txBody>
@@ -7852,7 +7831,7 @@
         </p:nvSpPr>
         <p:spPr>
           <a:xfrm>
-            <a:off x="9329521" y="1657601"/>
+            <a:off x="9441489" y="1654786"/>
             <a:ext cx="2862479" cy="430887"/>
           </a:xfrm>
           <a:prstGeom prst="rect">
@@ -7885,7 +7864,7 @@
         </p:nvSpPr>
         <p:spPr>
           <a:xfrm>
-            <a:off x="4318495" y="1625931"/>
+            <a:off x="4091434" y="1654786"/>
             <a:ext cx="2397760" cy="461665"/>
           </a:xfrm>
           <a:prstGeom prst="rect">
@@ -8509,14 +8488,7 @@
                 <a:latin typeface="Times New Roman" panose="02020603050405020304" pitchFamily="18" charset="0"/>
                 <a:cs typeface="Times New Roman" panose="02020603050405020304" pitchFamily="18" charset="0"/>
               </a:rPr>
-              <a:t>Оценка методом главных компонент параметров </a:t>
-            </a:r>
-            <a:r>
-              <a:rPr lang="ru-RU" sz="4400" dirty="0" err="1">
-                <a:latin typeface="Times New Roman" panose="02020603050405020304" pitchFamily="18" charset="0"/>
-                <a:cs typeface="Times New Roman" panose="02020603050405020304" pitchFamily="18" charset="0"/>
-              </a:rPr>
-              <a:t>алканов</a:t>
+              <a:t>Оценка методом главных компонент параметров алканов</a:t>
             </a:r>
             <a:endParaRPr lang="ru-RU" dirty="0">
               <a:latin typeface="Times New Roman" panose="02020603050405020304" pitchFamily="18" charset="0"/>
